--- a/Week_3_Project_P3.pptx
+++ b/Week_3_Project_P3.pptx
@@ -273,7 +273,7 @@
       </p15:sldGuideLst>
     </p:ext>
     <p:ext uri="http://customooxmlschemas.google.com/">
-      <go:slidesCustomData xmlns:mc="http://schemas.openxmlformats.org/markup-compatibility/2006" xmlns:mv="urn:schemas-microsoft-com:mac:vml" xmlns:c="http://schemas.openxmlformats.org/drawingml/2006/chart" xmlns:dgm="http://schemas.openxmlformats.org/drawingml/2006/diagram" xmlns:o="urn:schemas-microsoft-com:office:office" xmlns:v="urn:schemas-microsoft-com:vml" xmlns:pvml="urn:schemas-microsoft-com:office:powerpoint" xmlns:com="http://schemas.openxmlformats.org/drawingml/2006/compatibility" xmlns:p14="http://schemas.microsoft.com/office/powerpoint/2010/main" xmlns:p15="http://schemas.microsoft.com/office/powerpoint/2012/main" xmlns:go="http://customooxmlschemas.google.com/" xmlns="" r:id="rId220" roundtripDataSignature="AMtx7miWNY2LB4ETJwrL8F0N+EK9hEhqUQ=="/>
+      <go:slidesCustomData xmlns="" xmlns:go="http://customooxmlschemas.google.com/" xmlns:p15="http://schemas.microsoft.com/office/powerpoint/2012/main" xmlns:p14="http://schemas.microsoft.com/office/powerpoint/2010/main" xmlns:com="http://schemas.openxmlformats.org/drawingml/2006/compatibility" xmlns:pvml="urn:schemas-microsoft-com:office:powerpoint" xmlns:v="urn:schemas-microsoft-com:vml" xmlns:o="urn:schemas-microsoft-com:office:office" xmlns:dgm="http://schemas.openxmlformats.org/drawingml/2006/diagram" xmlns:c="http://schemas.openxmlformats.org/drawingml/2006/chart" xmlns:mv="urn:schemas-microsoft-com:mac:vml" xmlns:mc="http://schemas.openxmlformats.org/markup-compatibility/2006" r:id="rId220" roundtripDataSignature="AMtx7miWNY2LB4ETJwrL8F0N+EK9hEhqUQ=="/>
     </p:ext>
   </p:extLst>
 </p:presentation>
@@ -1483,7 +1483,7 @@
         <p:spPr>
           <a:xfrm>
             <a:off x="4922982" y="3188854"/>
-            <a:ext cx="6881092" cy="1138773"/>
+            <a:ext cx="6881092" cy="1692771"/>
           </a:xfrm>
           <a:prstGeom prst="rect">
             <a:avLst/>
@@ -1526,7 +1526,36 @@
               </a:rPr>
               <a:t> </a:t>
             </a:r>
-            <a:endParaRPr lang="en-US" sz="3600" b="1" dirty="0">
+            <a:br>
+              <a:rPr lang="en-IN" sz="3600" b="1" dirty="0">
+                <a:solidFill>
+                  <a:schemeClr val="bg1"/>
+                </a:solidFill>
+                <a:latin typeface="Calibri" panose="020F0502020204030204" pitchFamily="34" charset="0"/>
+                <a:cs typeface="Times New Roman" panose="02020603050405020304" pitchFamily="18" charset="0"/>
+              </a:rPr>
+            </a:br>
+            <a:r>
+              <a:rPr lang="en-IN" sz="3600" b="1" dirty="0">
+                <a:solidFill>
+                  <a:schemeClr val="bg1"/>
+                </a:solidFill>
+                <a:latin typeface="Calibri" panose="020F0502020204030204" pitchFamily="34" charset="0"/>
+                <a:cs typeface="Times New Roman" panose="02020603050405020304" pitchFamily="18" charset="0"/>
+              </a:rPr>
+              <a:t>                                   </a:t>
+            </a:r>
+            <a:r>
+              <a:rPr lang="en-IN" sz="2000" b="1" dirty="0">
+                <a:solidFill>
+                  <a:schemeClr val="bg1"/>
+                </a:solidFill>
+                <a:latin typeface="Calibri" panose="020F0502020204030204" pitchFamily="34" charset="0"/>
+                <a:cs typeface="Times New Roman" panose="02020603050405020304" pitchFamily="18" charset="0"/>
+              </a:rPr>
+              <a:t>by Sriram M K</a:t>
+            </a:r>
+            <a:endParaRPr lang="en-US" sz="2000" b="1" dirty="0">
               <a:solidFill>
                 <a:schemeClr val="bg1"/>
               </a:solidFill>
